--- a/Administrative Documents/Enlace - Test de Grasha (Estudiantes).pptx
+++ b/Administrative Documents/Enlace - Test de Grasha (Estudiantes).pptx
@@ -15,12 +15,12 @@
   <p:notesSz cx="6858000" cy="9144000"/>
   <p:embeddedFontLst>
     <p:embeddedFont>
-      <p:font typeface="Amatic SC" panose="00000500000000000000" pitchFamily="2" charset="-79"/>
+      <p:font typeface="Amatic SC" pitchFamily="2" charset="-79"/>
       <p:regular r:id="rId8"/>
       <p:bold r:id="rId9"/>
     </p:embeddedFont>
     <p:embeddedFont>
-      <p:font typeface="Montserrat" pitchFamily="2" charset="0"/>
+      <p:font typeface="Montserrat" pitchFamily="2" charset="77"/>
       <p:regular r:id="rId10"/>
       <p:bold r:id="rId11"/>
       <p:italic r:id="rId12"/>
@@ -34,7 +34,7 @@
       <p:boldItalic r:id="rId17"/>
     </p:embeddedFont>
     <p:embeddedFont>
-      <p:font typeface="Roboto Light" panose="02000000000000000000" pitchFamily="2" charset="0"/>
+      <p:font typeface="Roboto Light" panose="020F0302020204030204" pitchFamily="34" charset="0"/>
       <p:regular r:id="rId18"/>
       <p:bold r:id="rId19"/>
       <p:italic r:id="rId20"/>
@@ -811,7 +811,7 @@
               </a:spcAft>
               <a:buNone/>
             </a:pPr>
-            <a:endParaRPr/>
+            <a:endParaRPr dirty="0"/>
           </a:p>
         </p:txBody>
       </p:sp>
@@ -3818,31 +3818,6 @@
             <a:endParaRPr lang="es-ES" sz="1800" dirty="0">
               <a:latin typeface="Neo Sans Pro" panose="020B0504030504040204" pitchFamily="34" charset="0"/>
             </a:endParaRPr>
-          </a:p>
-        </p:txBody>
-      </p:sp>
-      <p:sp>
-        <p:nvSpPr>
-          <p:cNvPr id="6" name="Subtitle 5">
-            <a:extLst>
-              <a:ext uri="{FF2B5EF4-FFF2-40B4-BE49-F238E27FC236}">
-                <a16:creationId xmlns:a16="http://schemas.microsoft.com/office/drawing/2014/main" id="{9EFDBBCF-F5D1-76F4-AE39-B0874E04A382}"/>
-              </a:ext>
-            </a:extLst>
-          </p:cNvPr>
-          <p:cNvSpPr>
-            <a:spLocks noGrp="1"/>
-          </p:cNvSpPr>
-          <p:nvPr>
-            <p:ph type="subTitle" idx="2"/>
-          </p:nvPr>
-        </p:nvSpPr>
-        <p:spPr/>
-        <p:txBody>
-          <a:bodyPr/>
-          <a:lstStyle/>
-          <a:p>
-            <a:endParaRPr lang="en-US"/>
           </a:p>
         </p:txBody>
       </p:sp>
@@ -5109,12 +5084,6 @@
 </file>
 
 <file path=customXml/item1.xml><?xml version="1.0" encoding="utf-8"?>
-<p:properties xmlns:p="http://schemas.microsoft.com/office/2006/metadata/properties" xmlns:xsi="http://www.w3.org/2001/XMLSchema-instance" xmlns:pc="http://schemas.microsoft.com/office/infopath/2007/PartnerControls">
-  <documentManagement/>
-</p:properties>
-</file>
-
-<file path=customXml/item2.xml><?xml version="1.0" encoding="utf-8"?>
 <ct:contentTypeSchema xmlns:ct="http://schemas.microsoft.com/office/2006/metadata/contentType" xmlns:ma="http://schemas.microsoft.com/office/2006/metadata/properties/metaAttributes" ct:_="" ma:_="" ma:contentTypeName="Documento" ma:contentTypeID="0x010100B01A41015B8C4748A7CA5694AB52425C" ma:contentTypeVersion="13" ma:contentTypeDescription="Crear nuevo documento." ma:contentTypeScope="" ma:versionID="72f1e3ebb0ec365ec661677c7ad65fdf">
   <xsd:schema xmlns:xsd="http://www.w3.org/2001/XMLSchema" xmlns:xs="http://www.w3.org/2001/XMLSchema" xmlns:p="http://schemas.microsoft.com/office/2006/metadata/properties" xmlns:ns3="25f9d8e5-db99-495e-afee-289b3a937a70" xmlns:ns4="2d8157ce-83da-413d-a051-424db47c4f2a" targetNamespace="http://schemas.microsoft.com/office/2006/metadata/properties" ma:root="true" ma:fieldsID="6f38fb96fa9323f88f6152bafc5e35f2" ns3:_="" ns4:_="">
     <xsd:import namespace="25f9d8e5-db99-495e-afee-289b3a937a70"/>
@@ -5337,6 +5306,12 @@
 </ct:contentTypeSchema>
 </file>
 
+<file path=customXml/item2.xml><?xml version="1.0" encoding="utf-8"?>
+<p:properties xmlns:p="http://schemas.microsoft.com/office/2006/metadata/properties" xmlns:xsi="http://www.w3.org/2001/XMLSchema-instance" xmlns:pc="http://schemas.microsoft.com/office/infopath/2007/PartnerControls">
+  <documentManagement/>
+</p:properties>
+</file>
+
 <file path=customXml/item3.xml><?xml version="1.0" encoding="utf-8"?>
 <?mso-contentType ?>
 <FormTemplates xmlns="http://schemas.microsoft.com/sharepoint/v3/contenttype/forms">
@@ -5347,23 +5322,6 @@
 </file>
 
 <file path=customXml/itemProps1.xml><?xml version="1.0" encoding="utf-8"?>
-<ds:datastoreItem xmlns:ds="http://schemas.openxmlformats.org/officeDocument/2006/customXml" ds:itemID="{4249C6A6-4920-4BB1-B3C9-EC8B2FDEDEF4}">
-  <ds:schemaRefs>
-    <ds:schemaRef ds:uri="http://schemas.microsoft.com/office/2006/metadata/properties"/>
-    <ds:schemaRef ds:uri="http://schemas.microsoft.com/office/2006/documentManagement/types"/>
-    <ds:schemaRef ds:uri="http://purl.org/dc/elements/1.1/"/>
-    <ds:schemaRef ds:uri="http://purl.org/dc/terms/"/>
-    <ds:schemaRef ds:uri="25f9d8e5-db99-495e-afee-289b3a937a70"/>
-    <ds:schemaRef ds:uri="http://schemas.microsoft.com/office/infopath/2007/PartnerControls"/>
-    <ds:schemaRef ds:uri="http://purl.org/dc/dcmitype/"/>
-    <ds:schemaRef ds:uri="http://schemas.openxmlformats.org/package/2006/metadata/core-properties"/>
-    <ds:schemaRef ds:uri="2d8157ce-83da-413d-a051-424db47c4f2a"/>
-    <ds:schemaRef ds:uri="http://www.w3.org/XML/1998/namespace"/>
-  </ds:schemaRefs>
-</ds:datastoreItem>
-</file>
-
-<file path=customXml/itemProps2.xml><?xml version="1.0" encoding="utf-8"?>
 <ds:datastoreItem xmlns:ds="http://schemas.openxmlformats.org/officeDocument/2006/customXml" ds:itemID="{B970C535-089B-4848-9FBC-66136E18D95D}">
   <ds:schemaRefs>
     <ds:schemaRef ds:uri="http://schemas.microsoft.com/office/2006/metadata/contentType"/>
@@ -5382,6 +5340,23 @@
 </ds:datastoreItem>
 </file>
 
+<file path=customXml/itemProps2.xml><?xml version="1.0" encoding="utf-8"?>
+<ds:datastoreItem xmlns:ds="http://schemas.openxmlformats.org/officeDocument/2006/customXml" ds:itemID="{4249C6A6-4920-4BB1-B3C9-EC8B2FDEDEF4}">
+  <ds:schemaRefs>
+    <ds:schemaRef ds:uri="http://schemas.microsoft.com/office/2006/metadata/properties"/>
+    <ds:schemaRef ds:uri="http://schemas.microsoft.com/office/2006/documentManagement/types"/>
+    <ds:schemaRef ds:uri="http://purl.org/dc/elements/1.1/"/>
+    <ds:schemaRef ds:uri="http://purl.org/dc/terms/"/>
+    <ds:schemaRef ds:uri="25f9d8e5-db99-495e-afee-289b3a937a70"/>
+    <ds:schemaRef ds:uri="http://schemas.microsoft.com/office/infopath/2007/PartnerControls"/>
+    <ds:schemaRef ds:uri="http://purl.org/dc/dcmitype/"/>
+    <ds:schemaRef ds:uri="http://schemas.openxmlformats.org/package/2006/metadata/core-properties"/>
+    <ds:schemaRef ds:uri="2d8157ce-83da-413d-a051-424db47c4f2a"/>
+    <ds:schemaRef ds:uri="http://www.w3.org/XML/1998/namespace"/>
+  </ds:schemaRefs>
+</ds:datastoreItem>
+</file>
+
 <file path=customXml/itemProps3.xml><?xml version="1.0" encoding="utf-8"?>
 <ds:datastoreItem xmlns:ds="http://schemas.openxmlformats.org/officeDocument/2006/customXml" ds:itemID="{B6E96C57-79FF-4AAD-B6CE-F7520A4CA309}">
   <ds:schemaRefs>
